--- a/課題研究/2014/小池克人/ポスター.pptx
+++ b/課題研究/2014/小池克人/ポスター.pptx
@@ -104,6 +104,11 @@
       </a:defRPr>
     </a:lvl9pPr>
   </p:defaultTextStyle>
+  <p:extLst>
+    <p:ext uri="{EFAFB233-063F-42B5-8137-9DF3F51BA10A}">
+      <p15:sldGuideLst xmlns:p15="http://schemas.microsoft.com/office/powerpoint/2012/main"/>
+    </p:ext>
+  </p:extLst>
 </p:presentation>
 </file>
 
@@ -292,7 +297,7 @@
           <a:p>
             <a:fld id="{FF7A58FD-EF7A-4BF1-AE4A-3BD5BDDA2978}" type="datetimeFigureOut">
               <a:rPr kumimoji="1" lang="ja-JP" altLang="en-US" smtClean="0"/>
-              <a:t>2014/12/16</a:t>
+              <a:t>2014/12/18</a:t>
             </a:fld>
             <a:endParaRPr kumimoji="1" lang="ja-JP" altLang="en-US"/>
           </a:p>
@@ -506,7 +511,7 @@
           <a:p>
             <a:fld id="{FF7A58FD-EF7A-4BF1-AE4A-3BD5BDDA2978}" type="datetimeFigureOut">
               <a:rPr kumimoji="1" lang="ja-JP" altLang="en-US" smtClean="0"/>
-              <a:t>2014/12/16</a:t>
+              <a:t>2014/12/18</a:t>
             </a:fld>
             <a:endParaRPr kumimoji="1" lang="ja-JP" altLang="en-US"/>
           </a:p>
@@ -730,7 +735,7 @@
           <a:p>
             <a:fld id="{FF7A58FD-EF7A-4BF1-AE4A-3BD5BDDA2978}" type="datetimeFigureOut">
               <a:rPr kumimoji="1" lang="ja-JP" altLang="en-US" smtClean="0"/>
-              <a:t>2014/12/16</a:t>
+              <a:t>2014/12/18</a:t>
             </a:fld>
             <a:endParaRPr kumimoji="1" lang="ja-JP" altLang="en-US"/>
           </a:p>
@@ -944,7 +949,7 @@
           <a:p>
             <a:fld id="{FF7A58FD-EF7A-4BF1-AE4A-3BD5BDDA2978}" type="datetimeFigureOut">
               <a:rPr kumimoji="1" lang="ja-JP" altLang="en-US" smtClean="0"/>
-              <a:t>2014/12/16</a:t>
+              <a:t>2014/12/18</a:t>
             </a:fld>
             <a:endParaRPr kumimoji="1" lang="ja-JP" altLang="en-US"/>
           </a:p>
@@ -1202,7 +1207,7 @@
           <a:p>
             <a:fld id="{FF7A58FD-EF7A-4BF1-AE4A-3BD5BDDA2978}" type="datetimeFigureOut">
               <a:rPr kumimoji="1" lang="ja-JP" altLang="en-US" smtClean="0"/>
-              <a:t>2014/12/16</a:t>
+              <a:t>2014/12/18</a:t>
             </a:fld>
             <a:endParaRPr kumimoji="1" lang="ja-JP" altLang="en-US"/>
           </a:p>
@@ -1566,7 +1571,7 @@
           <a:p>
             <a:fld id="{FF7A58FD-EF7A-4BF1-AE4A-3BD5BDDA2978}" type="datetimeFigureOut">
               <a:rPr kumimoji="1" lang="ja-JP" altLang="en-US" smtClean="0"/>
-              <a:t>2014/12/16</a:t>
+              <a:t>2014/12/18</a:t>
             </a:fld>
             <a:endParaRPr kumimoji="1" lang="ja-JP" altLang="en-US"/>
           </a:p>
@@ -2064,7 +2069,7 @@
           <a:p>
             <a:fld id="{FF7A58FD-EF7A-4BF1-AE4A-3BD5BDDA2978}" type="datetimeFigureOut">
               <a:rPr kumimoji="1" lang="ja-JP" altLang="en-US" smtClean="0"/>
-              <a:t>2014/12/16</a:t>
+              <a:t>2014/12/18</a:t>
             </a:fld>
             <a:endParaRPr kumimoji="1" lang="ja-JP" altLang="en-US"/>
           </a:p>
@@ -2194,7 +2199,7 @@
           <a:p>
             <a:fld id="{FF7A58FD-EF7A-4BF1-AE4A-3BD5BDDA2978}" type="datetimeFigureOut">
               <a:rPr kumimoji="1" lang="ja-JP" altLang="en-US" smtClean="0"/>
-              <a:t>2014/12/16</a:t>
+              <a:t>2014/12/18</a:t>
             </a:fld>
             <a:endParaRPr kumimoji="1" lang="ja-JP" altLang="en-US"/>
           </a:p>
@@ -2301,7 +2306,7 @@
           <a:p>
             <a:fld id="{FF7A58FD-EF7A-4BF1-AE4A-3BD5BDDA2978}" type="datetimeFigureOut">
               <a:rPr kumimoji="1" lang="ja-JP" altLang="en-US" smtClean="0"/>
-              <a:t>2014/12/16</a:t>
+              <a:t>2014/12/18</a:t>
             </a:fld>
             <a:endParaRPr kumimoji="1" lang="ja-JP" altLang="en-US"/>
           </a:p>
@@ -2622,7 +2627,7 @@
           <a:p>
             <a:fld id="{FF7A58FD-EF7A-4BF1-AE4A-3BD5BDDA2978}" type="datetimeFigureOut">
               <a:rPr kumimoji="1" lang="ja-JP" altLang="en-US" smtClean="0"/>
-              <a:t>2014/12/16</a:t>
+              <a:t>2014/12/18</a:t>
             </a:fld>
             <a:endParaRPr kumimoji="1" lang="ja-JP" altLang="en-US"/>
           </a:p>
@@ -2804,7 +2809,6 @@
               <a:rPr lang="ja-JP" altLang="en-US" noProof="0" smtClean="0"/>
               <a:t>図を追加</a:t>
             </a:r>
-            <a:endParaRPr lang="ja-JP" altLang="en-US" noProof="0" smtClean="0"/>
           </a:p>
         </p:txBody>
       </p:sp>
@@ -2894,7 +2898,7 @@
           <a:p>
             <a:fld id="{FF7A58FD-EF7A-4BF1-AE4A-3BD5BDDA2978}" type="datetimeFigureOut">
               <a:rPr kumimoji="1" lang="ja-JP" altLang="en-US" smtClean="0"/>
-              <a:t>2014/12/16</a:t>
+              <a:t>2014/12/18</a:t>
             </a:fld>
             <a:endParaRPr kumimoji="1" lang="ja-JP" altLang="en-US"/>
           </a:p>
@@ -3199,7 +3203,7 @@
           <a:p>
             <a:fld id="{FF7A58FD-EF7A-4BF1-AE4A-3BD5BDDA2978}" type="datetimeFigureOut">
               <a:rPr kumimoji="1" lang="ja-JP" altLang="en-US" smtClean="0"/>
-              <a:t>2014/12/16</a:t>
+              <a:t>2014/12/18</a:t>
             </a:fld>
             <a:endParaRPr kumimoji="1" lang="ja-JP" altLang="en-US"/>
           </a:p>
@@ -3812,7 +3816,16 @@
                 </a:solidFill>
                 <a:effectLst/>
               </a:rPr>
-              <a:t>プログラミングをどの程度勉強できるかを調査する。</a:t>
+              <a:t>プログラミングをどの</a:t>
+            </a:r>
+            <a:r>
+              <a:rPr lang="ja-JP" altLang="en-US" sz="4400" dirty="0" smtClean="0">
+                <a:solidFill>
+                  <a:schemeClr val="tx1"/>
+                </a:solidFill>
+                <a:effectLst/>
+              </a:rPr>
+              <a:t>程度ゲームで勉強</a:t>
             </a:r>
             <a:endParaRPr lang="en-US" altLang="ja-JP" sz="4400" dirty="0" smtClean="0">
               <a:solidFill>
@@ -3829,8 +3842,49 @@
                 </a:solidFill>
                 <a:effectLst/>
               </a:rPr>
-              <a:t>・実際にプログラミングの講義で使うことができるのか図る。</a:t>
-            </a:r>
+              <a:t>できる</a:t>
+            </a:r>
+            <a:r>
+              <a:rPr lang="ja-JP" altLang="en-US" sz="4400" dirty="0" smtClean="0">
+                <a:solidFill>
+                  <a:schemeClr val="tx1"/>
+                </a:solidFill>
+                <a:effectLst/>
+              </a:rPr>
+              <a:t>かを調査する。</a:t>
+            </a:r>
+            <a:endParaRPr lang="en-US" altLang="ja-JP" sz="4400" dirty="0" smtClean="0">
+              <a:solidFill>
+                <a:schemeClr val="tx1"/>
+              </a:solidFill>
+              <a:effectLst/>
+            </a:endParaRPr>
+          </a:p>
+          <a:p>
+            <a:r>
+              <a:rPr lang="ja-JP" altLang="en-US" sz="4400" dirty="0" smtClean="0">
+                <a:solidFill>
+                  <a:schemeClr val="tx1"/>
+                </a:solidFill>
+                <a:effectLst/>
+              </a:rPr>
+              <a:t>・実際にプログラミングの講義で使うことができるの</a:t>
+            </a:r>
+            <a:r>
+              <a:rPr lang="ja-JP" altLang="en-US" sz="4400" dirty="0" smtClean="0">
+                <a:solidFill>
+                  <a:schemeClr val="tx1"/>
+                </a:solidFill>
+                <a:effectLst/>
+              </a:rPr>
+              <a:t>か計測する。</a:t>
+            </a:r>
+            <a:endParaRPr lang="ja-JP" altLang="en-US" sz="4400" dirty="0" smtClean="0">
+              <a:solidFill>
+                <a:schemeClr val="tx1"/>
+              </a:solidFill>
+              <a:effectLst/>
+            </a:endParaRPr>
           </a:p>
           <a:p>
             <a:r>
@@ -3919,15 +3973,26 @@
         </p:spPr>
         <p:txBody>
           <a:bodyPr>
-            <a:normAutofit fontScale="90000"/>
+            <a:noAutofit/>
           </a:bodyPr>
           <a:lstStyle/>
           <a:p>
             <a:r>
-              <a:rPr lang="ja-JP" altLang="en-US" sz="9600" dirty="0"/>
-              <a:t>ゲームで学ぶプログラミング調査</a:t>
-            </a:r>
-            <a:endParaRPr kumimoji="1" lang="ja-JP" altLang="en-US" sz="9600" dirty="0"/>
+              <a:rPr lang="ja-JP" altLang="en-US" sz="7200" dirty="0" smtClean="0"/>
+              <a:t>プログラミング学習を目的とする</a:t>
+            </a:r>
+            <a:r>
+              <a:rPr lang="en-US" altLang="ja-JP" sz="7200" dirty="0" smtClean="0"/>
+              <a:t/>
+            </a:r>
+            <a:br>
+              <a:rPr lang="en-US" altLang="ja-JP" sz="7200" dirty="0" smtClean="0"/>
+            </a:br>
+            <a:r>
+              <a:rPr lang="ja-JP" altLang="en-US" sz="7200" dirty="0" smtClean="0"/>
+              <a:t>ゲームサービスの実態調査</a:t>
+            </a:r>
+            <a:endParaRPr kumimoji="1" lang="ja-JP" altLang="en-US" sz="7200" dirty="0"/>
           </a:p>
         </p:txBody>
       </p:sp>
@@ -3943,8 +4008,8 @@
         </p:nvSpPr>
         <p:spPr>
           <a:xfrm>
-            <a:off x="5173883" y="1961331"/>
-            <a:ext cx="16209742" cy="1592924"/>
+            <a:off x="5524499" y="2428733"/>
+            <a:ext cx="15859125" cy="1125521"/>
           </a:xfrm>
         </p:spPr>
         <p:txBody>
@@ -3952,41 +4017,51 @@
           <a:lstStyle/>
           <a:p>
             <a:r>
-              <a:rPr kumimoji="1" lang="en-US" altLang="ja-JP" sz="6600" dirty="0" smtClean="0">
+              <a:rPr kumimoji="1" lang="en-US" altLang="ja-JP" sz="6000" dirty="0" smtClean="0">
                 <a:solidFill>
                   <a:schemeClr val="tx1"/>
                 </a:solidFill>
+                <a:latin typeface="+mj-ea"/>
+                <a:ea typeface="+mj-ea"/>
               </a:rPr>
               <a:t>PM</a:t>
             </a:r>
             <a:r>
-              <a:rPr kumimoji="1" lang="ja-JP" altLang="en-US" sz="6600" dirty="0" smtClean="0">
+              <a:rPr kumimoji="1" lang="ja-JP" altLang="en-US" sz="6000" dirty="0" smtClean="0">
                 <a:solidFill>
                   <a:schemeClr val="tx1"/>
                 </a:solidFill>
+                <a:latin typeface="+mj-ea"/>
+                <a:ea typeface="+mj-ea"/>
               </a:rPr>
               <a:t>コース　矢吹研究室　</a:t>
             </a:r>
             <a:r>
-              <a:rPr kumimoji="1" lang="en-US" altLang="ja-JP" sz="6600" dirty="0" smtClean="0">
+              <a:rPr kumimoji="1" lang="en-US" altLang="ja-JP" sz="6000" dirty="0" smtClean="0">
                 <a:solidFill>
                   <a:schemeClr val="tx1"/>
                 </a:solidFill>
+                <a:latin typeface="+mj-ea"/>
+                <a:ea typeface="+mj-ea"/>
               </a:rPr>
               <a:t>1242034</a:t>
             </a:r>
             <a:r>
-              <a:rPr kumimoji="1" lang="ja-JP" altLang="en-US" sz="6600" dirty="0" smtClean="0">
+              <a:rPr kumimoji="1" lang="ja-JP" altLang="en-US" sz="6000" dirty="0" smtClean="0">
                 <a:solidFill>
                   <a:schemeClr val="tx1"/>
                 </a:solidFill>
+                <a:latin typeface="+mj-ea"/>
+                <a:ea typeface="+mj-ea"/>
               </a:rPr>
               <a:t>　小池克人</a:t>
             </a:r>
-            <a:endParaRPr kumimoji="1" lang="ja-JP" altLang="en-US" sz="6600" dirty="0">
+            <a:endParaRPr kumimoji="1" lang="ja-JP" altLang="en-US" sz="6000" dirty="0">
               <a:solidFill>
                 <a:schemeClr val="tx1"/>
               </a:solidFill>
+              <a:latin typeface="+mj-ea"/>
+              <a:ea typeface="+mj-ea"/>
             </a:endParaRPr>
           </a:p>
         </p:txBody>
@@ -4408,7 +4483,16 @@
                 </a:solidFill>
                 <a:effectLst/>
               </a:rPr>
-              <a:t>①フリーゲームの選別</a:t>
+              <a:t>①無料ゲーム</a:t>
+            </a:r>
+            <a:r>
+              <a:rPr lang="ja-JP" altLang="en-US" sz="4400" dirty="0" smtClean="0">
+                <a:solidFill>
+                  <a:schemeClr val="tx1"/>
+                </a:solidFill>
+                <a:effectLst/>
+              </a:rPr>
+              <a:t>の選別</a:t>
             </a:r>
           </a:p>
           <a:p>
@@ -4839,7 +4923,43 @@
                 </a:solidFill>
                 <a:effectLst/>
               </a:rPr>
-              <a:t>・ゲームを行なわせ，調査する</a:t>
+              <a:t>・ゲーム</a:t>
+            </a:r>
+            <a:r>
+              <a:rPr lang="ja-JP" altLang="en-US" dirty="0" smtClean="0">
+                <a:solidFill>
+                  <a:schemeClr val="tx1"/>
+                </a:solidFill>
+                <a:effectLst/>
+              </a:rPr>
+              <a:t>を</a:t>
+            </a:r>
+            <a:r>
+              <a:rPr lang="en-US" altLang="ja-JP" dirty="0" smtClean="0">
+                <a:solidFill>
+                  <a:schemeClr val="tx1"/>
+                </a:solidFill>
+                <a:effectLst/>
+              </a:rPr>
+              <a:t>PM</a:t>
+            </a:r>
+            <a:r>
+              <a:rPr lang="ja-JP" altLang="en-US" smtClean="0">
+                <a:solidFill>
+                  <a:schemeClr val="tx1"/>
+                </a:solidFill>
+                <a:effectLst/>
+              </a:rPr>
+              <a:t>実験の前の学生に行なわせ</a:t>
+            </a:r>
+            <a:r>
+              <a:rPr lang="ja-JP" altLang="en-US" dirty="0" smtClean="0">
+                <a:solidFill>
+                  <a:schemeClr val="tx1"/>
+                </a:solidFill>
+                <a:effectLst/>
+              </a:rPr>
+              <a:t>，調査する</a:t>
             </a:r>
             <a:endParaRPr kumimoji="1" lang="ja-JP" altLang="en-US" dirty="0">
               <a:solidFill>

--- a/課題研究/2014/小池克人/ポスター.pptx
+++ b/課題研究/2014/小池克人/ポスター.pptx
@@ -3816,16 +3816,7 @@
                 </a:solidFill>
                 <a:effectLst/>
               </a:rPr>
-              <a:t>プログラミングをどの</a:t>
-            </a:r>
-            <a:r>
-              <a:rPr lang="ja-JP" altLang="en-US" sz="4400" dirty="0" smtClean="0">
-                <a:solidFill>
-                  <a:schemeClr val="tx1"/>
-                </a:solidFill>
-                <a:effectLst/>
-              </a:rPr>
-              <a:t>程度ゲームで勉強</a:t>
+              <a:t>プログラミングをどの程度ゲームで勉強</a:t>
             </a:r>
             <a:endParaRPr lang="en-US" altLang="ja-JP" sz="4400" dirty="0" smtClean="0">
               <a:solidFill>
@@ -3845,13 +3836,31 @@
               <a:t>できる</a:t>
             </a:r>
             <a:r>
-              <a:rPr lang="ja-JP" altLang="en-US" sz="4400" dirty="0" smtClean="0">
+              <a:rPr lang="ja-JP" altLang="en-US" sz="4400" smtClean="0">
                 <a:solidFill>
                   <a:schemeClr val="tx1"/>
                 </a:solidFill>
                 <a:effectLst/>
               </a:rPr>
-              <a:t>かを調査する。</a:t>
+              <a:t>か</a:t>
+            </a:r>
+            <a:r>
+              <a:rPr lang="ja-JP" altLang="en-US" sz="4400" smtClean="0">
+                <a:solidFill>
+                  <a:schemeClr val="tx1"/>
+                </a:solidFill>
+                <a:effectLst/>
+              </a:rPr>
+              <a:t>を学生を対象に調査</a:t>
+            </a:r>
+            <a:r>
+              <a:rPr lang="ja-JP" altLang="en-US" sz="4400" dirty="0" smtClean="0">
+                <a:solidFill>
+                  <a:schemeClr val="tx1"/>
+                </a:solidFill>
+                <a:effectLst/>
+              </a:rPr>
+              <a:t>する。</a:t>
             </a:r>
             <a:endParaRPr lang="en-US" altLang="ja-JP" sz="4400" dirty="0" smtClean="0">
               <a:solidFill>
@@ -3868,7 +3877,7 @@
                 </a:solidFill>
                 <a:effectLst/>
               </a:rPr>
-              <a:t>・実際にプログラミングの講義で使うことができるの</a:t>
+              <a:t>・実際にプログラミングの講義</a:t>
             </a:r>
             <a:r>
               <a:rPr lang="ja-JP" altLang="en-US" sz="4400" dirty="0" smtClean="0">
@@ -3877,14 +3886,17 @@
                 </a:solidFill>
                 <a:effectLst/>
               </a:rPr>
-              <a:t>か計測する。</a:t>
-            </a:r>
-            <a:endParaRPr lang="ja-JP" altLang="en-US" sz="4400" dirty="0" smtClean="0">
-              <a:solidFill>
-                <a:schemeClr val="tx1"/>
-              </a:solidFill>
-              <a:effectLst/>
-            </a:endParaRPr>
+              <a:t>でゲームを使う</a:t>
+            </a:r>
+            <a:r>
+              <a:rPr lang="ja-JP" altLang="en-US" sz="4400" dirty="0" smtClean="0">
+                <a:solidFill>
+                  <a:schemeClr val="tx1"/>
+                </a:solidFill>
+                <a:effectLst/>
+              </a:rPr>
+              <a:t>ことができるのか計測する。</a:t>
+            </a:r>
           </a:p>
           <a:p>
             <a:r>
@@ -4483,8 +4495,10 @@
                 </a:solidFill>
                 <a:effectLst/>
               </a:rPr>
-              <a:t>①無料ゲーム</a:t>
-            </a:r>
+              <a:t>①無料ゲームの選別</a:t>
+            </a:r>
+          </a:p>
+          <a:p>
             <a:r>
               <a:rPr lang="ja-JP" altLang="en-US" sz="4400" dirty="0" smtClean="0">
                 <a:solidFill>
@@ -4492,10 +4506,8 @@
                 </a:solidFill>
                 <a:effectLst/>
               </a:rPr>
-              <a:t>の選別</a:t>
-            </a:r>
-          </a:p>
-          <a:p>
+              <a:t>②ゲームを実施，データ</a:t>
+            </a:r>
             <a:r>
               <a:rPr lang="ja-JP" altLang="en-US" sz="4400" dirty="0" smtClean="0">
                 <a:solidFill>
@@ -4503,8 +4515,22 @@
                 </a:solidFill>
                 <a:effectLst/>
               </a:rPr>
-              <a:t>②ゲームを実施，データを集める</a:t>
-            </a:r>
+              <a:t>を</a:t>
+            </a:r>
+            <a:r>
+              <a:rPr lang="ja-JP" altLang="en-US" sz="4400" dirty="0">
+                <a:solidFill>
+                  <a:schemeClr val="tx1"/>
+                </a:solidFill>
+              </a:rPr>
+              <a:t>収集</a:t>
+            </a:r>
+            <a:endParaRPr lang="ja-JP" altLang="en-US" sz="4400" dirty="0" smtClean="0">
+              <a:solidFill>
+                <a:schemeClr val="tx1"/>
+              </a:solidFill>
+              <a:effectLst/>
+            </a:endParaRPr>
           </a:p>
           <a:p>
             <a:r>
@@ -4514,7 +4540,24 @@
                 </a:solidFill>
                 <a:effectLst/>
               </a:rPr>
-              <a:t>③データマイニングをする</a:t>
+              <a:t>③</a:t>
+            </a:r>
+            <a:r>
+              <a:rPr lang="ja-JP" altLang="en-US" sz="4400" dirty="0" smtClean="0">
+                <a:solidFill>
+                  <a:schemeClr val="tx1"/>
+                </a:solidFill>
+                <a:effectLst/>
+              </a:rPr>
+              <a:t>データマイニング</a:t>
+            </a:r>
+            <a:r>
+              <a:rPr lang="ja-JP" altLang="en-US" sz="4400" dirty="0" smtClean="0">
+                <a:solidFill>
+                  <a:schemeClr val="tx1"/>
+                </a:solidFill>
+              </a:rPr>
+              <a:t>の実施</a:t>
             </a:r>
             <a:endParaRPr kumimoji="1" lang="ja-JP" altLang="en-US" sz="4400" dirty="0">
               <a:solidFill>
@@ -4923,16 +4966,7 @@
                 </a:solidFill>
                 <a:effectLst/>
               </a:rPr>
-              <a:t>・ゲーム</a:t>
-            </a:r>
-            <a:r>
-              <a:rPr lang="ja-JP" altLang="en-US" dirty="0" smtClean="0">
-                <a:solidFill>
-                  <a:schemeClr val="tx1"/>
-                </a:solidFill>
-                <a:effectLst/>
-              </a:rPr>
-              <a:t>を</a:t>
+              <a:t>・ゲームを</a:t>
             </a:r>
             <a:r>
               <a:rPr lang="en-US" altLang="ja-JP" dirty="0" smtClean="0">
@@ -4944,22 +4978,13 @@
               <a:t>PM</a:t>
             </a:r>
             <a:r>
-              <a:rPr lang="ja-JP" altLang="en-US" smtClean="0">
+              <a:rPr lang="ja-JP" altLang="en-US" dirty="0" smtClean="0">
                 <a:solidFill>
                   <a:schemeClr val="tx1"/>
                 </a:solidFill>
                 <a:effectLst/>
               </a:rPr>
-              <a:t>実験の前の学生に行なわせ</a:t>
-            </a:r>
-            <a:r>
-              <a:rPr lang="ja-JP" altLang="en-US" dirty="0" smtClean="0">
-                <a:solidFill>
-                  <a:schemeClr val="tx1"/>
-                </a:solidFill>
-                <a:effectLst/>
-              </a:rPr>
-              <a:t>，調査する</a:t>
+              <a:t>実験の前の学生に行なわせ，調査する</a:t>
             </a:r>
             <a:endParaRPr kumimoji="1" lang="ja-JP" altLang="en-US" dirty="0">
               <a:solidFill>

--- a/課題研究/2014/小池克人/ポスター.pptx
+++ b/課題研究/2014/小池克人/ポスター.pptx
@@ -3833,34 +3833,24 @@
                 </a:solidFill>
                 <a:effectLst/>
               </a:rPr>
-              <a:t>できる</a:t>
-            </a:r>
-            <a:r>
-              <a:rPr lang="ja-JP" altLang="en-US" sz="4400" smtClean="0">
+              <a:t>できるかを学生を対象に</a:t>
+            </a:r>
+            <a:r>
+              <a:rPr lang="ja-JP" altLang="en-US" sz="4400" dirty="0" smtClean="0">
                 <a:solidFill>
                   <a:schemeClr val="tx1"/>
                 </a:solidFill>
                 <a:effectLst/>
               </a:rPr>
-              <a:t>か</a:t>
-            </a:r>
-            <a:r>
-              <a:rPr lang="ja-JP" altLang="en-US" sz="4400" smtClean="0">
+              <a:t>調査をする</a:t>
+            </a:r>
+            <a:r>
+              <a:rPr lang="ja-JP" altLang="en-US" sz="4400" dirty="0">
                 <a:solidFill>
                   <a:schemeClr val="tx1"/>
                 </a:solidFill>
-                <a:effectLst/>
               </a:rPr>
-              <a:t>を学生を対象に調査</a:t>
-            </a:r>
-            <a:r>
-              <a:rPr lang="ja-JP" altLang="en-US" sz="4400" dirty="0" smtClean="0">
-                <a:solidFill>
-                  <a:schemeClr val="tx1"/>
-                </a:solidFill>
-                <a:effectLst/>
-              </a:rPr>
-              <a:t>する。</a:t>
+              <a:t>．</a:t>
             </a:r>
             <a:endParaRPr lang="en-US" altLang="ja-JP" sz="4400" dirty="0" smtClean="0">
               <a:solidFill>
@@ -3877,7 +3867,7 @@
                 </a:solidFill>
                 <a:effectLst/>
               </a:rPr>
-              <a:t>・実際にプログラミングの講義</a:t>
+              <a:t>・実際にプログラミングの講義でゲームを使うことができるのか計測</a:t>
             </a:r>
             <a:r>
               <a:rPr lang="ja-JP" altLang="en-US" sz="4400" dirty="0" smtClean="0">
@@ -3886,17 +3876,14 @@
                 </a:solidFill>
                 <a:effectLst/>
               </a:rPr>
-              <a:t>でゲームを使う</a:t>
-            </a:r>
-            <a:r>
-              <a:rPr lang="ja-JP" altLang="en-US" sz="4400" dirty="0" smtClean="0">
-                <a:solidFill>
-                  <a:schemeClr val="tx1"/>
-                </a:solidFill>
-                <a:effectLst/>
-              </a:rPr>
-              <a:t>ことができるのか計測する。</a:t>
-            </a:r>
+              <a:t>する．</a:t>
+            </a:r>
+            <a:endParaRPr lang="ja-JP" altLang="en-US" sz="4400" dirty="0" smtClean="0">
+              <a:solidFill>
+                <a:schemeClr val="tx1"/>
+              </a:solidFill>
+              <a:effectLst/>
+            </a:endParaRPr>
           </a:p>
           <a:p>
             <a:r>
@@ -4217,7 +4204,15 @@
                   <a:schemeClr val="tx1"/>
                 </a:solidFill>
               </a:rPr>
-              <a:t>ノウハウを，ゲーム以外の分野に応用して，</a:t>
+              <a:t>ノウハウを，ゲーム以外の分野に応用</a:t>
+            </a:r>
+            <a:r>
+              <a:rPr lang="ja-JP" altLang="en-US" dirty="0" smtClean="0">
+                <a:solidFill>
+                  <a:schemeClr val="tx1"/>
+                </a:solidFill>
+              </a:rPr>
+              <a:t>して，</a:t>
             </a:r>
             <a:endParaRPr lang="en-US" altLang="ja-JP" dirty="0" smtClean="0">
               <a:solidFill>
@@ -4247,7 +4242,15 @@
                   <a:schemeClr val="tx1"/>
                 </a:solidFill>
               </a:rPr>
-              <a:t>出すこと</a:t>
+              <a:t>出す</a:t>
+            </a:r>
+            <a:r>
+              <a:rPr lang="ja-JP" altLang="en-US" dirty="0" smtClean="0">
+                <a:solidFill>
+                  <a:schemeClr val="tx1"/>
+                </a:solidFill>
+              </a:rPr>
+              <a:t>こと．</a:t>
             </a:r>
             <a:endParaRPr kumimoji="1" lang="ja-JP" altLang="en-US" dirty="0">
               <a:solidFill>
@@ -4495,10 +4498,8 @@
                 </a:solidFill>
                 <a:effectLst/>
               </a:rPr>
-              <a:t>①無料ゲームの選別</a:t>
-            </a:r>
-          </a:p>
-          <a:p>
+              <a:t>①無料ゲームの</a:t>
+            </a:r>
             <a:r>
               <a:rPr lang="ja-JP" altLang="en-US" sz="4400" dirty="0" smtClean="0">
                 <a:solidFill>
@@ -4506,24 +4507,7 @@
                 </a:solidFill>
                 <a:effectLst/>
               </a:rPr>
-              <a:t>②ゲームを実施，データ</a:t>
-            </a:r>
-            <a:r>
-              <a:rPr lang="ja-JP" altLang="en-US" sz="4400" dirty="0" smtClean="0">
-                <a:solidFill>
-                  <a:schemeClr val="tx1"/>
-                </a:solidFill>
-                <a:effectLst/>
-              </a:rPr>
-              <a:t>を</a:t>
-            </a:r>
-            <a:r>
-              <a:rPr lang="ja-JP" altLang="en-US" sz="4400" dirty="0">
-                <a:solidFill>
-                  <a:schemeClr val="tx1"/>
-                </a:solidFill>
-              </a:rPr>
-              <a:t>収集</a:t>
+              <a:t>選別</a:t>
             </a:r>
             <a:endParaRPr lang="ja-JP" altLang="en-US" sz="4400" dirty="0" smtClean="0">
               <a:solidFill>
@@ -4540,8 +4524,24 @@
                 </a:solidFill>
                 <a:effectLst/>
               </a:rPr>
-              <a:t>③</a:t>
-            </a:r>
+              <a:t>②ゲームを実施，データを</a:t>
+            </a:r>
+            <a:r>
+              <a:rPr lang="ja-JP" altLang="en-US" sz="4400" dirty="0">
+                <a:solidFill>
+                  <a:schemeClr val="tx1"/>
+                </a:solidFill>
+              </a:rPr>
+              <a:t>収集</a:t>
+            </a:r>
+            <a:endParaRPr lang="ja-JP" altLang="en-US" sz="4400" dirty="0" smtClean="0">
+              <a:solidFill>
+                <a:schemeClr val="tx1"/>
+              </a:solidFill>
+              <a:effectLst/>
+            </a:endParaRPr>
+          </a:p>
+          <a:p>
             <a:r>
               <a:rPr lang="ja-JP" altLang="en-US" sz="4400" dirty="0" smtClean="0">
                 <a:solidFill>
@@ -4549,7 +4549,7 @@
                 </a:solidFill>
                 <a:effectLst/>
               </a:rPr>
-              <a:t>データマイニング</a:t>
+              <a:t>③データマイニング</a:t>
             </a:r>
             <a:r>
               <a:rPr lang="ja-JP" altLang="en-US" sz="4400" dirty="0" smtClean="0">
@@ -4949,7 +4949,16 @@
                 </a:solidFill>
                 <a:effectLst/>
               </a:rPr>
-              <a:t>・千葉工業大学のプログラミングの講義を調査</a:t>
+              <a:t>・千葉工業大学のプログラミングの講義を</a:t>
+            </a:r>
+            <a:r>
+              <a:rPr lang="ja-JP" altLang="en-US" dirty="0" smtClean="0">
+                <a:solidFill>
+                  <a:schemeClr val="tx1"/>
+                </a:solidFill>
+                <a:effectLst/>
+              </a:rPr>
+              <a:t>調査をする．</a:t>
             </a:r>
             <a:endParaRPr lang="en-US" altLang="ja-JP" dirty="0" smtClean="0">
               <a:solidFill>
@@ -4984,7 +4993,16 @@
                 </a:solidFill>
                 <a:effectLst/>
               </a:rPr>
-              <a:t>実験の前の学生に行なわせ，調査する</a:t>
+              <a:t>実験の前の学生に行なわせ，</a:t>
+            </a:r>
+            <a:r>
+              <a:rPr lang="ja-JP" altLang="en-US" dirty="0" smtClean="0">
+                <a:solidFill>
+                  <a:schemeClr val="tx1"/>
+                </a:solidFill>
+                <a:effectLst/>
+              </a:rPr>
+              <a:t>調査をする．</a:t>
             </a:r>
             <a:endParaRPr kumimoji="1" lang="ja-JP" altLang="en-US" dirty="0">
               <a:solidFill>

--- a/課題研究/2014/小池克人/ポスター.pptx
+++ b/課題研究/2014/小池克人/ポスター.pptx
@@ -3833,7 +3833,7 @@
                 </a:solidFill>
                 <a:effectLst/>
               </a:rPr>
-              <a:t>できるかを学生を対象に</a:t>
+              <a:t>できるのか</a:t>
             </a:r>
             <a:r>
               <a:rPr lang="ja-JP" altLang="en-US" sz="4400" dirty="0" smtClean="0">
@@ -3842,7 +3842,7 @@
                 </a:solidFill>
                 <a:effectLst/>
               </a:rPr>
-              <a:t>調査をする</a:t>
+              <a:t>を学生を対象に調査をする</a:t>
             </a:r>
             <a:r>
               <a:rPr lang="ja-JP" altLang="en-US" sz="4400" dirty="0">
@@ -3867,7 +3867,16 @@
                 </a:solidFill>
                 <a:effectLst/>
               </a:rPr>
-              <a:t>・実際にプログラミングの講義でゲームを使うことができるのか計測</a:t>
+              <a:t>・実際にプログラミングの講義でゲームを使うことができるの</a:t>
+            </a:r>
+            <a:r>
+              <a:rPr lang="ja-JP" altLang="en-US" sz="4400" dirty="0" smtClean="0">
+                <a:solidFill>
+                  <a:schemeClr val="tx1"/>
+                </a:solidFill>
+                <a:effectLst/>
+              </a:rPr>
+              <a:t>かを計測</a:t>
             </a:r>
             <a:r>
               <a:rPr lang="ja-JP" altLang="en-US" sz="4400" dirty="0" smtClean="0">
@@ -3878,12 +3887,6 @@
               </a:rPr>
               <a:t>する．</a:t>
             </a:r>
-            <a:endParaRPr lang="ja-JP" altLang="en-US" sz="4400" dirty="0" smtClean="0">
-              <a:solidFill>
-                <a:schemeClr val="tx1"/>
-              </a:solidFill>
-              <a:effectLst/>
-            </a:endParaRPr>
           </a:p>
           <a:p>
             <a:r>
@@ -4204,7 +4207,7 @@
                   <a:schemeClr val="tx1"/>
                 </a:solidFill>
               </a:rPr>
-              <a:t>ノウハウを，ゲーム以外の分野に応用</a:t>
+              <a:t>ノウハウ</a:t>
             </a:r>
             <a:r>
               <a:rPr lang="ja-JP" altLang="en-US" dirty="0" smtClean="0">
@@ -4212,7 +4215,15 @@
                   <a:schemeClr val="tx1"/>
                 </a:solidFill>
               </a:rPr>
-              <a:t>して，</a:t>
+              <a:t>をゲーム</a:t>
+            </a:r>
+            <a:r>
+              <a:rPr lang="ja-JP" altLang="en-US" dirty="0" smtClean="0">
+                <a:solidFill>
+                  <a:schemeClr val="tx1"/>
+                </a:solidFill>
+              </a:rPr>
+              <a:t>以外の分野に応用して，</a:t>
             </a:r>
             <a:endParaRPr lang="en-US" altLang="ja-JP" dirty="0" smtClean="0">
               <a:solidFill>
@@ -4242,15 +4253,7 @@
                   <a:schemeClr val="tx1"/>
                 </a:solidFill>
               </a:rPr>
-              <a:t>出す</a:t>
-            </a:r>
-            <a:r>
-              <a:rPr lang="ja-JP" altLang="en-US" dirty="0" smtClean="0">
-                <a:solidFill>
-                  <a:schemeClr val="tx1"/>
-                </a:solidFill>
-              </a:rPr>
-              <a:t>こと．</a:t>
+              <a:t>出すこと．</a:t>
             </a:r>
             <a:endParaRPr kumimoji="1" lang="ja-JP" altLang="en-US" dirty="0">
               <a:solidFill>
@@ -4507,7 +4510,7 @@
                 </a:solidFill>
                 <a:effectLst/>
               </a:rPr>
-              <a:t>選別</a:t>
+              <a:t>選別．</a:t>
             </a:r>
             <a:endParaRPr lang="ja-JP" altLang="en-US" sz="4400" dirty="0" smtClean="0">
               <a:solidFill>
@@ -4527,12 +4530,12 @@
               <a:t>②ゲームを実施，データを</a:t>
             </a:r>
             <a:r>
-              <a:rPr lang="ja-JP" altLang="en-US" sz="4400" dirty="0">
+              <a:rPr lang="ja-JP" altLang="en-US" sz="4400" dirty="0" smtClean="0">
                 <a:solidFill>
                   <a:schemeClr val="tx1"/>
                 </a:solidFill>
               </a:rPr>
-              <a:t>収集</a:t>
+              <a:t>収集．</a:t>
             </a:r>
             <a:endParaRPr lang="ja-JP" altLang="en-US" sz="4400" dirty="0" smtClean="0">
               <a:solidFill>
@@ -4557,7 +4560,15 @@
                   <a:schemeClr val="tx1"/>
                 </a:solidFill>
               </a:rPr>
-              <a:t>の実施</a:t>
+              <a:t>の</a:t>
+            </a:r>
+            <a:r>
+              <a:rPr lang="ja-JP" altLang="en-US" sz="4400" dirty="0" smtClean="0">
+                <a:solidFill>
+                  <a:schemeClr val="tx1"/>
+                </a:solidFill>
+              </a:rPr>
+              <a:t>実施．</a:t>
             </a:r>
             <a:endParaRPr kumimoji="1" lang="ja-JP" altLang="en-US" sz="4400" dirty="0">
               <a:solidFill>
@@ -4949,16 +4960,7 @@
                 </a:solidFill>
                 <a:effectLst/>
               </a:rPr>
-              <a:t>・千葉工業大学のプログラミングの講義を</a:t>
-            </a:r>
-            <a:r>
-              <a:rPr lang="ja-JP" altLang="en-US" dirty="0" smtClean="0">
-                <a:solidFill>
-                  <a:schemeClr val="tx1"/>
-                </a:solidFill>
-                <a:effectLst/>
-              </a:rPr>
-              <a:t>調査をする．</a:t>
+              <a:t>・千葉工業大学のプログラミングの講義を調査をする．</a:t>
             </a:r>
             <a:endParaRPr lang="en-US" altLang="ja-JP" dirty="0" smtClean="0">
               <a:solidFill>
@@ -4993,16 +4995,7 @@
                 </a:solidFill>
                 <a:effectLst/>
               </a:rPr>
-              <a:t>実験の前の学生に行なわせ，</a:t>
-            </a:r>
-            <a:r>
-              <a:rPr lang="ja-JP" altLang="en-US" dirty="0" smtClean="0">
-                <a:solidFill>
-                  <a:schemeClr val="tx1"/>
-                </a:solidFill>
-                <a:effectLst/>
-              </a:rPr>
-              <a:t>調査をする．</a:t>
+              <a:t>実験の前の学生に行なわせ，調査をする．</a:t>
             </a:r>
             <a:endParaRPr kumimoji="1" lang="ja-JP" altLang="en-US" dirty="0">
               <a:solidFill>
